--- a/Documentation/TDW-TCSServer 0.24.pptx
+++ b/Documentation/TDW-TCSServer 0.24.pptx
@@ -11799,21 +11799,19 @@
           </p:cNvPr>
           <p:cNvCxnSpPr>
             <a:cxnSpLocks/>
-            <a:stCxn id="5" idx="0"/>
-            <a:endCxn id="2" idx="2"/>
           </p:cNvCxnSpPr>
           <p:nvPr/>
         </p:nvCxnSpPr>
         <p:spPr>
           <a:xfrm flipV="1">
-            <a:off x="8350971" y="1820018"/>
+            <a:off x="9164787" y="1820018"/>
             <a:ext cx="4028" cy="754633"/>
           </a:xfrm>
           <a:prstGeom prst="straightConnector1">
             <a:avLst/>
           </a:prstGeom>
           <a:ln w="38100">
-            <a:headEnd type="triangle" w="med" len="med"/>
+            <a:headEnd type="none" w="med" len="med"/>
             <a:tailEnd type="triangle" w="med" len="med"/>
           </a:ln>
         </p:spPr>
@@ -11980,7 +11978,7 @@
         <p:spPr>
           <a:xfrm>
             <a:off x="17818" y="4783475"/>
-            <a:ext cx="6608073" cy="1384995"/>
+            <a:ext cx="6772366" cy="1384995"/>
           </a:xfrm>
           <a:prstGeom prst="rect">
             <a:avLst/>
@@ -11995,37 +11993,37 @@
           <a:p>
             <a:r>
               <a:rPr lang="en-CA" sz="1400" dirty="0"/>
-              <a:t>Notes</a:t>
+              <a:t>Step A2: Credential Notarization Workflow</a:t>
             </a:r>
           </a:p>
           <a:p>
             <a:r>
               <a:rPr lang="en-CA" sz="1400" dirty="0"/>
-              <a:t>A2.1. Get Bob’s Clinic DID Doc/Public Key from the VDR</a:t>
+              <a:t>A2.1. Based on an App request, Alice’s Agent gets Bob’s Clinic DID Doc/Public Key</a:t>
             </a:r>
           </a:p>
           <a:p>
             <a:r>
               <a:rPr lang="en-CA" sz="1400" dirty="0"/>
-              <a:t>A2.2. Encrypt AC Claims using Bob’s Clinic Public Key </a:t>
+              <a:t>A2.2. Alice’s Agent encrypts AC Claims using Bob’s Clinic Public Key </a:t>
             </a:r>
           </a:p>
           <a:p>
             <a:r>
               <a:rPr lang="en-CA" sz="1400" dirty="0"/>
-              <a:t>A2.3. Request Notarization by passing DID identity of AC Credential to Notary</a:t>
+              <a:t>A2.3. Alice requests Notarization by passing the DID identity of the AC Credential to Notary</a:t>
             </a:r>
           </a:p>
           <a:p>
             <a:r>
               <a:rPr lang="en-CA" sz="1400" dirty="0"/>
-              <a:t>A2.4. Notary requests Alice sign AC by passing AC DID reference to back to Alice</a:t>
+              <a:t>A2.4. Notary requests Alice sign AC by passing the DID identity of the AC to back to Alice</a:t>
             </a:r>
           </a:p>
           <a:p>
             <a:r>
               <a:rPr lang="en-CA" sz="1400" dirty="0"/>
-              <a:t>A2.5. Notary confirms Signed AC credential is unchanged. Confirms Signature is Alice’s.</a:t>
+              <a:t>A2.5. Notary confirms Signed AC claims are unchanged and confirms Signature is Alice’s</a:t>
             </a:r>
           </a:p>
         </p:txBody>
@@ -12147,7 +12145,7 @@
         </p:nvSpPr>
         <p:spPr>
           <a:xfrm>
-            <a:off x="8360893" y="1927835"/>
+            <a:off x="9174709" y="1927835"/>
             <a:ext cx="2709460" cy="523220"/>
           </a:xfrm>
           <a:prstGeom prst="rect">
@@ -12591,7 +12589,7 @@
             <a:pPr algn="ctr"/>
             <a:r>
               <a:rPr lang="en-CA" sz="1400" dirty="0"/>
-              <a:t>(previously, was a Blood Pressure Home Reading)</a:t>
+              <a:t>(previously, was a Blood Pressure Home Reading Credential)</a:t>
             </a:r>
           </a:p>
         </p:txBody>
@@ -12897,48 +12895,6 @@
           </a:p>
         </p:txBody>
       </p:sp>
-      <p:cxnSp>
-        <p:nvCxnSpPr>
-          <p:cNvPr id="90" name="Straight Arrow Connector 89">
-            <a:extLst>
-              <a:ext uri="{FF2B5EF4-FFF2-40B4-BE49-F238E27FC236}">
-                <a16:creationId xmlns:a16="http://schemas.microsoft.com/office/drawing/2014/main" id="{BB3B8361-079D-449C-AC5A-612D310170D5}"/>
-              </a:ext>
-            </a:extLst>
-          </p:cNvPr>
-          <p:cNvCxnSpPr>
-            <a:cxnSpLocks/>
-          </p:cNvCxnSpPr>
-          <p:nvPr/>
-        </p:nvCxnSpPr>
-        <p:spPr>
-          <a:xfrm flipV="1">
-            <a:off x="7966635" y="1825049"/>
-            <a:ext cx="0" cy="844236"/>
-          </a:xfrm>
-          <a:prstGeom prst="straightConnector1">
-            <a:avLst/>
-          </a:prstGeom>
-          <a:ln w="38100">
-            <a:headEnd type="none" w="med" len="med"/>
-            <a:tailEnd type="triangle" w="med" len="med"/>
-          </a:ln>
-        </p:spPr>
-        <p:style>
-          <a:lnRef idx="1">
-            <a:schemeClr val="accent1"/>
-          </a:lnRef>
-          <a:fillRef idx="0">
-            <a:schemeClr val="accent1"/>
-          </a:fillRef>
-          <a:effectRef idx="0">
-            <a:schemeClr val="accent1"/>
-          </a:effectRef>
-          <a:fontRef idx="minor">
-            <a:schemeClr val="tx1"/>
-          </a:fontRef>
-        </p:style>
-      </p:cxnSp>
       <p:sp>
         <p:nvSpPr>
           <p:cNvPr id="5" name="Rectangle: Rounded Corners 4">
@@ -13348,6 +13304,48 @@
           </a:prstGeom>
         </p:spPr>
       </p:pic>
+      <p:cxnSp>
+        <p:nvCxnSpPr>
+          <p:cNvPr id="90" name="Straight Arrow Connector 89">
+            <a:extLst>
+              <a:ext uri="{FF2B5EF4-FFF2-40B4-BE49-F238E27FC236}">
+                <a16:creationId xmlns:a16="http://schemas.microsoft.com/office/drawing/2014/main" id="{BB3B8361-079D-449C-AC5A-612D310170D5}"/>
+              </a:ext>
+            </a:extLst>
+          </p:cNvPr>
+          <p:cNvCxnSpPr>
+            <a:cxnSpLocks/>
+          </p:cNvCxnSpPr>
+          <p:nvPr/>
+        </p:nvCxnSpPr>
+        <p:spPr>
+          <a:xfrm flipV="1">
+            <a:off x="7966635" y="1806761"/>
+            <a:ext cx="0" cy="789577"/>
+          </a:xfrm>
+          <a:prstGeom prst="straightConnector1">
+            <a:avLst/>
+          </a:prstGeom>
+          <a:ln w="38100">
+            <a:headEnd type="triangle" w="med" len="med"/>
+            <a:tailEnd type="triangle" w="med" len="med"/>
+          </a:ln>
+        </p:spPr>
+        <p:style>
+          <a:lnRef idx="1">
+            <a:schemeClr val="accent1"/>
+          </a:lnRef>
+          <a:fillRef idx="0">
+            <a:schemeClr val="accent1"/>
+          </a:fillRef>
+          <a:effectRef idx="0">
+            <a:schemeClr val="accent1"/>
+          </a:effectRef>
+          <a:fontRef idx="minor">
+            <a:schemeClr val="tx1"/>
+          </a:fontRef>
+        </p:style>
+      </p:cxnSp>
     </p:spTree>
     <p:extLst>
       <p:ext uri="{BB962C8B-B14F-4D97-AF65-F5344CB8AC3E}">
